--- a/河西_発表_0204.pptx
+++ b/河西_発表_0204.pptx
@@ -5,7 +5,7 @@
     <p:sldMasterId id="2147483648" r:id="rId1"/>
   </p:sldMasterIdLst>
   <p:notesMasterIdLst>
-    <p:notesMasterId r:id="rId25"/>
+    <p:notesMasterId r:id="rId26"/>
   </p:notesMasterIdLst>
   <p:sldIdLst>
     <p:sldId id="267" r:id="rId2"/>
@@ -31,6 +31,7 @@
     <p:sldId id="287" r:id="rId22"/>
     <p:sldId id="288" r:id="rId23"/>
     <p:sldId id="289" r:id="rId24"/>
+    <p:sldId id="290" r:id="rId25"/>
   </p:sldIdLst>
   <p:sldSz cx="12192000" cy="6858000"/>
   <p:notesSz cx="6858000" cy="9144000"/>
@@ -157,6 +158,7 @@
             <p14:sldId id="287"/>
             <p14:sldId id="288"/>
             <p14:sldId id="289"/>
+            <p14:sldId id="290"/>
           </p14:sldIdLst>
         </p14:section>
       </p14:sectionLst>
@@ -250,7 +252,7 @@
           <a:p>
             <a:fld id="{9D73F2AC-3586-4C52-9697-67AD8B1E734E}" type="datetimeFigureOut">
               <a:rPr kumimoji="1" lang="ja-JP" altLang="en-US" smtClean="0"/>
-              <a:t>2021/2/4</a:t>
+              <a:t>2021/2/5</a:t>
             </a:fld>
             <a:endParaRPr kumimoji="1" lang="ja-JP" altLang="en-US"/>
           </a:p>
@@ -1279,11 +1281,7 @@
             </a:r>
             <a:r>
               <a:rPr kumimoji="1" lang="ja-JP" altLang="en-US" dirty="0" smtClean="0"/>
-              <a:t>高調波を発生</a:t>
-            </a:r>
-            <a:r>
-              <a:rPr kumimoji="1" lang="ja-JP" altLang="en-US" dirty="0" smtClean="0"/>
-              <a:t>させました</a:t>
+              <a:t>高調波を発生させました</a:t>
             </a:r>
             <a:r>
               <a:rPr kumimoji="1" lang="en-US" altLang="ja-JP" dirty="0" smtClean="0"/>
@@ -1475,11 +1473,7 @@
             </a:r>
             <a:r>
               <a:rPr kumimoji="1" lang="ja-JP" altLang="en-US" dirty="0" smtClean="0"/>
-              <a:t>は，アルゴンの第一イオン化エネルギーを</a:t>
-            </a:r>
-            <a:r>
-              <a:rPr kumimoji="1" lang="ja-JP" altLang="en-US" dirty="0" smtClean="0"/>
-              <a:t>示し，光電子のエネルギー</a:t>
+              <a:t>は，アルゴンの第一イオン化エネルギーを示し，光電子のエネルギー</a:t>
             </a:r>
             <a:r>
               <a:rPr kumimoji="1" lang="en-US" altLang="ja-JP" dirty="0" smtClean="0"/>
@@ -2436,15 +2430,7 @@
             </a:r>
             <a:r>
               <a:rPr lang="ja-JP" altLang="en-US" dirty="0" smtClean="0"/>
-              <a:t>これ</a:t>
-            </a:r>
-            <a:r>
-              <a:rPr lang="ja-JP" altLang="en-US" dirty="0" smtClean="0"/>
-              <a:t>は光</a:t>
-            </a:r>
-            <a:r>
-              <a:rPr lang="ja-JP" altLang="en-US" dirty="0" smtClean="0"/>
-              <a:t>電子のエネルギーの違いによるものと考えられます</a:t>
+              <a:t>これは光電子のエネルギーの違いによるものと考えられます</a:t>
             </a:r>
             <a:r>
               <a:rPr lang="en-US" altLang="ja-JP" dirty="0" smtClean="0"/>
@@ -3188,7 +3174,7 @@
           <a:p>
             <a:fld id="{7C4BD9BC-7747-4A18-BB11-2CEF5CD5B631}" type="datetimeFigureOut">
               <a:rPr kumimoji="1" lang="ja-JP" altLang="en-US" smtClean="0"/>
-              <a:t>2021/2/4</a:t>
+              <a:t>2021/2/5</a:t>
             </a:fld>
             <a:endParaRPr kumimoji="1" lang="ja-JP" altLang="en-US"/>
           </a:p>
@@ -3388,7 +3374,7 @@
           <a:p>
             <a:fld id="{7C4BD9BC-7747-4A18-BB11-2CEF5CD5B631}" type="datetimeFigureOut">
               <a:rPr kumimoji="1" lang="ja-JP" altLang="en-US" smtClean="0"/>
-              <a:t>2021/2/4</a:t>
+              <a:t>2021/2/5</a:t>
             </a:fld>
             <a:endParaRPr kumimoji="1" lang="ja-JP" altLang="en-US"/>
           </a:p>
@@ -3598,7 +3584,7 @@
           <a:p>
             <a:fld id="{7C4BD9BC-7747-4A18-BB11-2CEF5CD5B631}" type="datetimeFigureOut">
               <a:rPr kumimoji="1" lang="ja-JP" altLang="en-US" smtClean="0"/>
-              <a:t>2021/2/4</a:t>
+              <a:t>2021/2/5</a:t>
             </a:fld>
             <a:endParaRPr kumimoji="1" lang="ja-JP" altLang="en-US"/>
           </a:p>
@@ -3798,7 +3784,7 @@
           <a:p>
             <a:fld id="{7C4BD9BC-7747-4A18-BB11-2CEF5CD5B631}" type="datetimeFigureOut">
               <a:rPr kumimoji="1" lang="ja-JP" altLang="en-US" smtClean="0"/>
-              <a:t>2021/2/4</a:t>
+              <a:t>2021/2/5</a:t>
             </a:fld>
             <a:endParaRPr kumimoji="1" lang="ja-JP" altLang="en-US"/>
           </a:p>
@@ -4043,7 +4029,7 @@
           <a:p>
             <a:fld id="{7C4BD9BC-7747-4A18-BB11-2CEF5CD5B631}" type="datetimeFigureOut">
               <a:rPr kumimoji="1" lang="ja-JP" altLang="en-US" smtClean="0"/>
-              <a:t>2021/2/4</a:t>
+              <a:t>2021/2/5</a:t>
             </a:fld>
             <a:endParaRPr kumimoji="1" lang="ja-JP" altLang="en-US"/>
           </a:p>
@@ -4336,7 +4322,7 @@
           <a:p>
             <a:fld id="{7C4BD9BC-7747-4A18-BB11-2CEF5CD5B631}" type="datetimeFigureOut">
               <a:rPr kumimoji="1" lang="ja-JP" altLang="en-US" smtClean="0"/>
-              <a:t>2021/2/4</a:t>
+              <a:t>2021/2/5</a:t>
             </a:fld>
             <a:endParaRPr kumimoji="1" lang="ja-JP" altLang="en-US"/>
           </a:p>
@@ -4764,7 +4750,7 @@
           <a:p>
             <a:fld id="{7C4BD9BC-7747-4A18-BB11-2CEF5CD5B631}" type="datetimeFigureOut">
               <a:rPr kumimoji="1" lang="ja-JP" altLang="en-US" smtClean="0"/>
-              <a:t>2021/2/4</a:t>
+              <a:t>2021/2/5</a:t>
             </a:fld>
             <a:endParaRPr kumimoji="1" lang="ja-JP" altLang="en-US"/>
           </a:p>
@@ -4881,7 +4867,7 @@
           <a:p>
             <a:fld id="{7C4BD9BC-7747-4A18-BB11-2CEF5CD5B631}" type="datetimeFigureOut">
               <a:rPr kumimoji="1" lang="ja-JP" altLang="en-US" smtClean="0"/>
-              <a:t>2021/2/4</a:t>
+              <a:t>2021/2/5</a:t>
             </a:fld>
             <a:endParaRPr kumimoji="1" lang="ja-JP" altLang="en-US"/>
           </a:p>
@@ -4976,7 +4962,7 @@
           <a:p>
             <a:fld id="{7C4BD9BC-7747-4A18-BB11-2CEF5CD5B631}" type="datetimeFigureOut">
               <a:rPr kumimoji="1" lang="ja-JP" altLang="en-US" smtClean="0"/>
-              <a:t>2021/2/4</a:t>
+              <a:t>2021/2/5</a:t>
             </a:fld>
             <a:endParaRPr kumimoji="1" lang="ja-JP" altLang="en-US"/>
           </a:p>
@@ -5283,7 +5269,7 @@
           <a:p>
             <a:fld id="{7C4BD9BC-7747-4A18-BB11-2CEF5CD5B631}" type="datetimeFigureOut">
               <a:rPr kumimoji="1" lang="ja-JP" altLang="en-US" smtClean="0"/>
-              <a:t>2021/2/4</a:t>
+              <a:t>2021/2/5</a:t>
             </a:fld>
             <a:endParaRPr kumimoji="1" lang="ja-JP" altLang="en-US"/>
           </a:p>
@@ -5535,7 +5521,7 @@
           <a:p>
             <a:fld id="{7C4BD9BC-7747-4A18-BB11-2CEF5CD5B631}" type="datetimeFigureOut">
               <a:rPr kumimoji="1" lang="ja-JP" altLang="en-US" smtClean="0"/>
-              <a:t>2021/2/4</a:t>
+              <a:t>2021/2/5</a:t>
             </a:fld>
             <a:endParaRPr kumimoji="1" lang="ja-JP" altLang="en-US"/>
           </a:p>
@@ -5778,7 +5764,7 @@
           <a:p>
             <a:fld id="{7C4BD9BC-7747-4A18-BB11-2CEF5CD5B631}" type="datetimeFigureOut">
               <a:rPr kumimoji="1" lang="ja-JP" altLang="en-US" smtClean="0"/>
-              <a:t>2021/2/4</a:t>
+              <a:t>2021/2/5</a:t>
             </a:fld>
             <a:endParaRPr kumimoji="1" lang="ja-JP" altLang="en-US"/>
           </a:p>
@@ -6291,8 +6277,8 @@
           </a:prstGeom>
         </p:spPr>
       </p:pic>
-      <mc:AlternateContent xmlns:mc="http://schemas.openxmlformats.org/markup-compatibility/2006">
-        <mc:Choice xmlns:a14="http://schemas.microsoft.com/office/drawing/2010/main" Requires="a14">
+      <mc:AlternateContent xmlns:mc="http://schemas.openxmlformats.org/markup-compatibility/2006" xmlns:a14="http://schemas.microsoft.com/office/drawing/2010/main">
+        <mc:Choice Requires="a14">
           <p:sp>
             <p:nvSpPr>
               <p:cNvPr id="6" name="テキスト ボックス 5"/>
@@ -6567,7 +6553,7 @@
             </p:txBody>
           </p:sp>
         </mc:Choice>
-        <mc:Fallback>
+        <mc:Fallback xmlns="">
           <p:sp>
             <p:nvSpPr>
               <p:cNvPr id="6" name="テキスト ボックス 5"/>
@@ -6747,11 +6733,11 @@
   <p:clrMapOvr>
     <a:masterClrMapping/>
   </p:clrMapOvr>
-  <mc:AlternateContent xmlns:mc="http://schemas.openxmlformats.org/markup-compatibility/2006">
-    <mc:Choice xmlns:p14="http://schemas.microsoft.com/office/powerpoint/2010/main" Requires="p14">
+  <mc:AlternateContent xmlns:mc="http://schemas.openxmlformats.org/markup-compatibility/2006" xmlns:p14="http://schemas.microsoft.com/office/powerpoint/2010/main">
+    <mc:Choice Requires="p14">
       <p:transition spd="slow" p14:dur="2000"/>
     </mc:Choice>
-    <mc:Fallback>
+    <mc:Fallback xmlns="">
       <p:transition spd="slow"/>
     </mc:Fallback>
   </mc:AlternateContent>
@@ -9704,11 +9690,11 @@
   <p:clrMapOvr>
     <a:masterClrMapping/>
   </p:clrMapOvr>
-  <mc:AlternateContent xmlns:mc="http://schemas.openxmlformats.org/markup-compatibility/2006">
-    <mc:Choice xmlns:p14="http://schemas.microsoft.com/office/powerpoint/2010/main" Requires="p14">
+  <mc:AlternateContent xmlns:mc="http://schemas.openxmlformats.org/markup-compatibility/2006" xmlns:p14="http://schemas.microsoft.com/office/powerpoint/2010/main">
+    <mc:Choice Requires="p14">
       <p:transition spd="slow" p14:dur="2000"/>
     </mc:Choice>
-    <mc:Fallback>
+    <mc:Fallback xmlns="">
       <p:transition spd="slow"/>
     </mc:Fallback>
   </mc:AlternateContent>
@@ -15057,11 +15043,11 @@
   <p:clrMapOvr>
     <a:masterClrMapping/>
   </p:clrMapOvr>
-  <mc:AlternateContent xmlns:mc="http://schemas.openxmlformats.org/markup-compatibility/2006">
-    <mc:Choice xmlns:p14="http://schemas.microsoft.com/office/powerpoint/2010/main" Requires="p14">
+  <mc:AlternateContent xmlns:mc="http://schemas.openxmlformats.org/markup-compatibility/2006" xmlns:p14="http://schemas.microsoft.com/office/powerpoint/2010/main">
+    <mc:Choice Requires="p14">
       <p:transition spd="slow" p14:dur="2000"/>
     </mc:Choice>
-    <mc:Fallback>
+    <mc:Fallback xmlns="">
       <p:transition spd="slow"/>
     </mc:Fallback>
   </mc:AlternateContent>
@@ -21024,11 +21010,11 @@
   <p:clrMapOvr>
     <a:masterClrMapping/>
   </p:clrMapOvr>
-  <mc:AlternateContent xmlns:mc="http://schemas.openxmlformats.org/markup-compatibility/2006">
-    <mc:Choice xmlns:p14="http://schemas.microsoft.com/office/powerpoint/2010/main" Requires="p14">
+  <mc:AlternateContent xmlns:mc="http://schemas.openxmlformats.org/markup-compatibility/2006" xmlns:p14="http://schemas.microsoft.com/office/powerpoint/2010/main">
+    <mc:Choice Requires="p14">
       <p:transition spd="slow" p14:dur="2000"/>
     </mc:Choice>
-    <mc:Fallback>
+    <mc:Fallback xmlns="">
       <p:transition spd="slow"/>
     </mc:Fallback>
   </mc:AlternateContent>
@@ -23375,8 +23361,8 @@
           </a:p>
         </p:txBody>
       </p:sp>
-      <mc:AlternateContent xmlns:mc="http://schemas.openxmlformats.org/markup-compatibility/2006">
-        <mc:Choice xmlns:a14="http://schemas.microsoft.com/office/drawing/2010/main" Requires="a14">
+      <mc:AlternateContent xmlns:mc="http://schemas.openxmlformats.org/markup-compatibility/2006" xmlns:a14="http://schemas.microsoft.com/office/drawing/2010/main">
+        <mc:Choice Requires="a14">
           <p:sp>
             <p:nvSpPr>
               <p:cNvPr id="6" name="正方形/長方形 5"/>
@@ -23403,6 +23389,7 @@
               </a:bodyPr>
               <a:lstStyle/>
               <a:p>
+                <a:pPr/>
                 <a14:m>
                   <m:oMathPara xmlns:m="http://schemas.openxmlformats.org/officeDocument/2006/math">
                     <m:oMathParaPr>
@@ -23412,7 +23399,7 @@
                       <m:sSup>
                         <m:sSupPr>
                           <m:ctrlPr>
-                            <a:rPr lang="ja-JP" altLang="en-US">
+                            <a:rPr lang="ja-JP" altLang="en-US" i="1">
                               <a:latin typeface="Cambria Math" panose="02040503050406030204" pitchFamily="18" charset="0"/>
                             </a:rPr>
                           </m:ctrlPr>
@@ -23421,7 +23408,7 @@
                           <m:f>
                             <m:fPr>
                               <m:ctrlPr>
-                                <a:rPr lang="ja-JP" altLang="en-US">
+                                <a:rPr lang="ja-JP" altLang="en-US" i="1">
                                   <a:latin typeface="Cambria Math" panose="02040503050406030204" pitchFamily="18" charset="0"/>
                                 </a:rPr>
                               </m:ctrlPr>
@@ -23498,7 +23485,7 @@
             </p:txBody>
           </p:sp>
         </mc:Choice>
-        <mc:Fallback>
+        <mc:Fallback xmlns="">
           <p:sp>
             <p:nvSpPr>
               <p:cNvPr id="6" name="正方形/長方形 5"/>
@@ -24934,11 +24921,11 @@
   <p:clrMapOvr>
     <a:masterClrMapping/>
   </p:clrMapOvr>
-  <mc:AlternateContent xmlns:mc="http://schemas.openxmlformats.org/markup-compatibility/2006">
-    <mc:Choice xmlns:p14="http://schemas.microsoft.com/office/powerpoint/2010/main" Requires="p14">
+  <mc:AlternateContent xmlns:mc="http://schemas.openxmlformats.org/markup-compatibility/2006" xmlns:p14="http://schemas.microsoft.com/office/powerpoint/2010/main">
+    <mc:Choice Requires="p14">
       <p:transition spd="slow" p14:dur="2000"/>
     </mc:Choice>
-    <mc:Fallback>
+    <mc:Fallback xmlns="">
       <p:transition spd="slow"/>
     </mc:Fallback>
   </mc:AlternateContent>
@@ -25022,42 +25009,42 @@
                 <a:gridCol w="870476">
                   <a:extLst>
                     <a:ext uri="{9D8B030D-6E8A-4147-A177-3AD203B41FA5}">
-                      <a16:colId xmlns:a16="http://schemas.microsoft.com/office/drawing/2014/main" xmlns="" val="20000"/>
+                      <a16:colId xmlns="" xmlns:a16="http://schemas.microsoft.com/office/drawing/2014/main" val="20000"/>
                     </a:ext>
                   </a:extLst>
                 </a:gridCol>
                 <a:gridCol w="1020356">
                   <a:extLst>
                     <a:ext uri="{9D8B030D-6E8A-4147-A177-3AD203B41FA5}">
-                      <a16:colId xmlns:a16="http://schemas.microsoft.com/office/drawing/2014/main" xmlns="" val="20001"/>
+                      <a16:colId xmlns="" xmlns:a16="http://schemas.microsoft.com/office/drawing/2014/main" val="20001"/>
                     </a:ext>
                   </a:extLst>
                 </a:gridCol>
                 <a:gridCol w="1021010">
                   <a:extLst>
                     <a:ext uri="{9D8B030D-6E8A-4147-A177-3AD203B41FA5}">
-                      <a16:colId xmlns:a16="http://schemas.microsoft.com/office/drawing/2014/main" xmlns="" val="20002"/>
+                      <a16:colId xmlns="" xmlns:a16="http://schemas.microsoft.com/office/drawing/2014/main" val="20002"/>
                     </a:ext>
                   </a:extLst>
                 </a:gridCol>
                 <a:gridCol w="1021010">
                   <a:extLst>
                     <a:ext uri="{9D8B030D-6E8A-4147-A177-3AD203B41FA5}">
-                      <a16:colId xmlns:a16="http://schemas.microsoft.com/office/drawing/2014/main" xmlns="" val="20003"/>
+                      <a16:colId xmlns="" xmlns:a16="http://schemas.microsoft.com/office/drawing/2014/main" val="20003"/>
                     </a:ext>
                   </a:extLst>
                 </a:gridCol>
                 <a:gridCol w="1020356">
                   <a:extLst>
                     <a:ext uri="{9D8B030D-6E8A-4147-A177-3AD203B41FA5}">
-                      <a16:colId xmlns:a16="http://schemas.microsoft.com/office/drawing/2014/main" xmlns="" val="20004"/>
+                      <a16:colId xmlns="" xmlns:a16="http://schemas.microsoft.com/office/drawing/2014/main" val="20004"/>
                     </a:ext>
                   </a:extLst>
                 </a:gridCol>
                 <a:gridCol w="927417">
                   <a:extLst>
                     <a:ext uri="{9D8B030D-6E8A-4147-A177-3AD203B41FA5}">
-                      <a16:colId xmlns:a16="http://schemas.microsoft.com/office/drawing/2014/main" xmlns="" val="20005"/>
+                      <a16:colId xmlns="" xmlns:a16="http://schemas.microsoft.com/office/drawing/2014/main" val="20005"/>
                     </a:ext>
                   </a:extLst>
                 </a:gridCol>
@@ -25267,7 +25254,7 @@
                 </a:tc>
                 <a:extLst>
                   <a:ext uri="{0D108BD9-81ED-4DB2-BD59-A6C34878D82A}">
-                    <a16:rowId xmlns:a16="http://schemas.microsoft.com/office/drawing/2014/main" xmlns="" val="10000"/>
+                    <a16:rowId xmlns="" xmlns:a16="http://schemas.microsoft.com/office/drawing/2014/main" val="10000"/>
                   </a:ext>
                 </a:extLst>
               </a:tr>
@@ -25689,7 +25676,7 @@
                 </a:tc>
                 <a:extLst>
                   <a:ext uri="{0D108BD9-81ED-4DB2-BD59-A6C34878D82A}">
-                    <a16:rowId xmlns:a16="http://schemas.microsoft.com/office/drawing/2014/main" xmlns="" val="10001"/>
+                    <a16:rowId xmlns="" xmlns:a16="http://schemas.microsoft.com/office/drawing/2014/main" val="10001"/>
                   </a:ext>
                 </a:extLst>
               </a:tr>
@@ -26002,7 +25989,7 @@
                 </a:tc>
                 <a:extLst>
                   <a:ext uri="{0D108BD9-81ED-4DB2-BD59-A6C34878D82A}">
-                    <a16:rowId xmlns:a16="http://schemas.microsoft.com/office/drawing/2014/main" xmlns="" val="10002"/>
+                    <a16:rowId xmlns="" xmlns:a16="http://schemas.microsoft.com/office/drawing/2014/main" val="10002"/>
                   </a:ext>
                 </a:extLst>
               </a:tr>
@@ -26279,7 +26266,7 @@
                 </a:tc>
                 <a:extLst>
                   <a:ext uri="{0D108BD9-81ED-4DB2-BD59-A6C34878D82A}">
-                    <a16:rowId xmlns:a16="http://schemas.microsoft.com/office/drawing/2014/main" xmlns="" val="10003"/>
+                    <a16:rowId xmlns="" xmlns:a16="http://schemas.microsoft.com/office/drawing/2014/main" val="10003"/>
                   </a:ext>
                 </a:extLst>
               </a:tr>
@@ -26556,7 +26543,7 @@
                 </a:tc>
                 <a:extLst>
                   <a:ext uri="{0D108BD9-81ED-4DB2-BD59-A6C34878D82A}">
-                    <a16:rowId xmlns:a16="http://schemas.microsoft.com/office/drawing/2014/main" xmlns="" val="10004"/>
+                    <a16:rowId xmlns="" xmlns:a16="http://schemas.microsoft.com/office/drawing/2014/main" val="10004"/>
                   </a:ext>
                 </a:extLst>
               </a:tr>
@@ -26833,7 +26820,7 @@
                 </a:tc>
                 <a:extLst>
                   <a:ext uri="{0D108BD9-81ED-4DB2-BD59-A6C34878D82A}">
-                    <a16:rowId xmlns:a16="http://schemas.microsoft.com/office/drawing/2014/main" xmlns="" val="10005"/>
+                    <a16:rowId xmlns="" xmlns:a16="http://schemas.microsoft.com/office/drawing/2014/main" val="10005"/>
                   </a:ext>
                 </a:extLst>
               </a:tr>
@@ -27110,7 +27097,7 @@
                 </a:tc>
                 <a:extLst>
                   <a:ext uri="{0D108BD9-81ED-4DB2-BD59-A6C34878D82A}">
-                    <a16:rowId xmlns:a16="http://schemas.microsoft.com/office/drawing/2014/main" xmlns="" val="10006"/>
+                    <a16:rowId xmlns="" xmlns:a16="http://schemas.microsoft.com/office/drawing/2014/main" val="10006"/>
                   </a:ext>
                 </a:extLst>
               </a:tr>
@@ -27387,7 +27374,7 @@
                 </a:tc>
                 <a:extLst>
                   <a:ext uri="{0D108BD9-81ED-4DB2-BD59-A6C34878D82A}">
-                    <a16:rowId xmlns:a16="http://schemas.microsoft.com/office/drawing/2014/main" xmlns="" val="10007"/>
+                    <a16:rowId xmlns="" xmlns:a16="http://schemas.microsoft.com/office/drawing/2014/main" val="10007"/>
                   </a:ext>
                 </a:extLst>
               </a:tr>
@@ -27664,7 +27651,7 @@
                 </a:tc>
                 <a:extLst>
                   <a:ext uri="{0D108BD9-81ED-4DB2-BD59-A6C34878D82A}">
-                    <a16:rowId xmlns:a16="http://schemas.microsoft.com/office/drawing/2014/main" xmlns="" val="10008"/>
+                    <a16:rowId xmlns="" xmlns:a16="http://schemas.microsoft.com/office/drawing/2014/main" val="10008"/>
                   </a:ext>
                 </a:extLst>
               </a:tr>
@@ -27941,7 +27928,7 @@
                 </a:tc>
                 <a:extLst>
                   <a:ext uri="{0D108BD9-81ED-4DB2-BD59-A6C34878D82A}">
-                    <a16:rowId xmlns:a16="http://schemas.microsoft.com/office/drawing/2014/main" xmlns="" val="10009"/>
+                    <a16:rowId xmlns="" xmlns:a16="http://schemas.microsoft.com/office/drawing/2014/main" val="10009"/>
                   </a:ext>
                 </a:extLst>
               </a:tr>
@@ -28218,7 +28205,7 @@
                 </a:tc>
                 <a:extLst>
                   <a:ext uri="{0D108BD9-81ED-4DB2-BD59-A6C34878D82A}">
-                    <a16:rowId xmlns:a16="http://schemas.microsoft.com/office/drawing/2014/main" xmlns="" val="10010"/>
+                    <a16:rowId xmlns="" xmlns:a16="http://schemas.microsoft.com/office/drawing/2014/main" val="10010"/>
                   </a:ext>
                 </a:extLst>
               </a:tr>
@@ -28495,7 +28482,7 @@
                 </a:tc>
                 <a:extLst>
                   <a:ext uri="{0D108BD9-81ED-4DB2-BD59-A6C34878D82A}">
-                    <a16:rowId xmlns:a16="http://schemas.microsoft.com/office/drawing/2014/main" xmlns="" val="10011"/>
+                    <a16:rowId xmlns="" xmlns:a16="http://schemas.microsoft.com/office/drawing/2014/main" val="10011"/>
                   </a:ext>
                 </a:extLst>
               </a:tr>
@@ -28772,7 +28759,7 @@
                 </a:tc>
                 <a:extLst>
                   <a:ext uri="{0D108BD9-81ED-4DB2-BD59-A6C34878D82A}">
-                    <a16:rowId xmlns:a16="http://schemas.microsoft.com/office/drawing/2014/main" xmlns="" val="10012"/>
+                    <a16:rowId xmlns="" xmlns:a16="http://schemas.microsoft.com/office/drawing/2014/main" val="10012"/>
                   </a:ext>
                 </a:extLst>
               </a:tr>
@@ -29049,7 +29036,7 @@
                 </a:tc>
                 <a:extLst>
                   <a:ext uri="{0D108BD9-81ED-4DB2-BD59-A6C34878D82A}">
-                    <a16:rowId xmlns:a16="http://schemas.microsoft.com/office/drawing/2014/main" xmlns="" val="10013"/>
+                    <a16:rowId xmlns="" xmlns:a16="http://schemas.microsoft.com/office/drawing/2014/main" val="10013"/>
                   </a:ext>
                 </a:extLst>
               </a:tr>
@@ -29326,7 +29313,7 @@
                 </a:tc>
                 <a:extLst>
                   <a:ext uri="{0D108BD9-81ED-4DB2-BD59-A6C34878D82A}">
-                    <a16:rowId xmlns:a16="http://schemas.microsoft.com/office/drawing/2014/main" xmlns="" val="10014"/>
+                    <a16:rowId xmlns="" xmlns:a16="http://schemas.microsoft.com/office/drawing/2014/main" val="10014"/>
                   </a:ext>
                 </a:extLst>
               </a:tr>
@@ -29603,7 +29590,7 @@
                 </a:tc>
                 <a:extLst>
                   <a:ext uri="{0D108BD9-81ED-4DB2-BD59-A6C34878D82A}">
-                    <a16:rowId xmlns:a16="http://schemas.microsoft.com/office/drawing/2014/main" xmlns="" val="10015"/>
+                    <a16:rowId xmlns="" xmlns:a16="http://schemas.microsoft.com/office/drawing/2014/main" val="10015"/>
                   </a:ext>
                 </a:extLst>
               </a:tr>
@@ -29880,7 +29867,7 @@
                 </a:tc>
                 <a:extLst>
                   <a:ext uri="{0D108BD9-81ED-4DB2-BD59-A6C34878D82A}">
-                    <a16:rowId xmlns:a16="http://schemas.microsoft.com/office/drawing/2014/main" xmlns="" val="10016"/>
+                    <a16:rowId xmlns="" xmlns:a16="http://schemas.microsoft.com/office/drawing/2014/main" val="10016"/>
                   </a:ext>
                 </a:extLst>
               </a:tr>
@@ -30157,7 +30144,7 @@
                 </a:tc>
                 <a:extLst>
                   <a:ext uri="{0D108BD9-81ED-4DB2-BD59-A6C34878D82A}">
-                    <a16:rowId xmlns:a16="http://schemas.microsoft.com/office/drawing/2014/main" xmlns="" val="10017"/>
+                    <a16:rowId xmlns="" xmlns:a16="http://schemas.microsoft.com/office/drawing/2014/main" val="10017"/>
                   </a:ext>
                 </a:extLst>
               </a:tr>
@@ -30434,7 +30421,7 @@
                 </a:tc>
                 <a:extLst>
                   <a:ext uri="{0D108BD9-81ED-4DB2-BD59-A6C34878D82A}">
-                    <a16:rowId xmlns:a16="http://schemas.microsoft.com/office/drawing/2014/main" xmlns="" val="10018"/>
+                    <a16:rowId xmlns="" xmlns:a16="http://schemas.microsoft.com/office/drawing/2014/main" val="10018"/>
                   </a:ext>
                 </a:extLst>
               </a:tr>
@@ -30711,7 +30698,7 @@
                 </a:tc>
                 <a:extLst>
                   <a:ext uri="{0D108BD9-81ED-4DB2-BD59-A6C34878D82A}">
-                    <a16:rowId xmlns:a16="http://schemas.microsoft.com/office/drawing/2014/main" xmlns="" val="10019"/>
+                    <a16:rowId xmlns="" xmlns:a16="http://schemas.microsoft.com/office/drawing/2014/main" val="10019"/>
                   </a:ext>
                 </a:extLst>
               </a:tr>
@@ -30988,7 +30975,7 @@
                 </a:tc>
                 <a:extLst>
                   <a:ext uri="{0D108BD9-81ED-4DB2-BD59-A6C34878D82A}">
-                    <a16:rowId xmlns:a16="http://schemas.microsoft.com/office/drawing/2014/main" xmlns="" val="10020"/>
+                    <a16:rowId xmlns="" xmlns:a16="http://schemas.microsoft.com/office/drawing/2014/main" val="10020"/>
                   </a:ext>
                 </a:extLst>
               </a:tr>
@@ -31265,7 +31252,7 @@
                 </a:tc>
                 <a:extLst>
                   <a:ext uri="{0D108BD9-81ED-4DB2-BD59-A6C34878D82A}">
-                    <a16:rowId xmlns:a16="http://schemas.microsoft.com/office/drawing/2014/main" xmlns="" val="10021"/>
+                    <a16:rowId xmlns="" xmlns:a16="http://schemas.microsoft.com/office/drawing/2014/main" val="10021"/>
                   </a:ext>
                 </a:extLst>
               </a:tr>
@@ -31542,7 +31529,7 @@
                 </a:tc>
                 <a:extLst>
                   <a:ext uri="{0D108BD9-81ED-4DB2-BD59-A6C34878D82A}">
-                    <a16:rowId xmlns:a16="http://schemas.microsoft.com/office/drawing/2014/main" xmlns="" val="10022"/>
+                    <a16:rowId xmlns="" xmlns:a16="http://schemas.microsoft.com/office/drawing/2014/main" val="10022"/>
                   </a:ext>
                 </a:extLst>
               </a:tr>
@@ -31819,7 +31806,7 @@
                 </a:tc>
                 <a:extLst>
                   <a:ext uri="{0D108BD9-81ED-4DB2-BD59-A6C34878D82A}">
-                    <a16:rowId xmlns:a16="http://schemas.microsoft.com/office/drawing/2014/main" xmlns="" val="10023"/>
+                    <a16:rowId xmlns="" xmlns:a16="http://schemas.microsoft.com/office/drawing/2014/main" val="10023"/>
                   </a:ext>
                 </a:extLst>
               </a:tr>
@@ -32096,7 +32083,7 @@
                 </a:tc>
                 <a:extLst>
                   <a:ext uri="{0D108BD9-81ED-4DB2-BD59-A6C34878D82A}">
-                    <a16:rowId xmlns:a16="http://schemas.microsoft.com/office/drawing/2014/main" xmlns="" val="10024"/>
+                    <a16:rowId xmlns="" xmlns:a16="http://schemas.microsoft.com/office/drawing/2014/main" val="10024"/>
                   </a:ext>
                 </a:extLst>
               </a:tr>
@@ -32373,7 +32360,7 @@
                 </a:tc>
                 <a:extLst>
                   <a:ext uri="{0D108BD9-81ED-4DB2-BD59-A6C34878D82A}">
-                    <a16:rowId xmlns:a16="http://schemas.microsoft.com/office/drawing/2014/main" xmlns="" val="10025"/>
+                    <a16:rowId xmlns="" xmlns:a16="http://schemas.microsoft.com/office/drawing/2014/main" val="10025"/>
                   </a:ext>
                 </a:extLst>
               </a:tr>
@@ -32650,7 +32637,7 @@
                 </a:tc>
                 <a:extLst>
                   <a:ext uri="{0D108BD9-81ED-4DB2-BD59-A6C34878D82A}">
-                    <a16:rowId xmlns:a16="http://schemas.microsoft.com/office/drawing/2014/main" xmlns="" val="10026"/>
+                    <a16:rowId xmlns="" xmlns:a16="http://schemas.microsoft.com/office/drawing/2014/main" val="10026"/>
                   </a:ext>
                 </a:extLst>
               </a:tr>
@@ -32927,7 +32914,7 @@
                 </a:tc>
                 <a:extLst>
                   <a:ext uri="{0D108BD9-81ED-4DB2-BD59-A6C34878D82A}">
-                    <a16:rowId xmlns:a16="http://schemas.microsoft.com/office/drawing/2014/main" xmlns="" val="10027"/>
+                    <a16:rowId xmlns="" xmlns:a16="http://schemas.microsoft.com/office/drawing/2014/main" val="10027"/>
                   </a:ext>
                 </a:extLst>
               </a:tr>
@@ -33204,7 +33191,7 @@
                 </a:tc>
                 <a:extLst>
                   <a:ext uri="{0D108BD9-81ED-4DB2-BD59-A6C34878D82A}">
-                    <a16:rowId xmlns:a16="http://schemas.microsoft.com/office/drawing/2014/main" xmlns="" val="10028"/>
+                    <a16:rowId xmlns="" xmlns:a16="http://schemas.microsoft.com/office/drawing/2014/main" val="10028"/>
                   </a:ext>
                 </a:extLst>
               </a:tr>
@@ -33481,7 +33468,7 @@
                 </a:tc>
                 <a:extLst>
                   <a:ext uri="{0D108BD9-81ED-4DB2-BD59-A6C34878D82A}">
-                    <a16:rowId xmlns:a16="http://schemas.microsoft.com/office/drawing/2014/main" xmlns="" val="10029"/>
+                    <a16:rowId xmlns="" xmlns:a16="http://schemas.microsoft.com/office/drawing/2014/main" val="10029"/>
                   </a:ext>
                 </a:extLst>
               </a:tr>
@@ -33758,7 +33745,7 @@
                 </a:tc>
                 <a:extLst>
                   <a:ext uri="{0D108BD9-81ED-4DB2-BD59-A6C34878D82A}">
-                    <a16:rowId xmlns:a16="http://schemas.microsoft.com/office/drawing/2014/main" xmlns="" val="10030"/>
+                    <a16:rowId xmlns="" xmlns:a16="http://schemas.microsoft.com/office/drawing/2014/main" val="10030"/>
                   </a:ext>
                 </a:extLst>
               </a:tr>
@@ -34035,7 +34022,7 @@
                 </a:tc>
                 <a:extLst>
                   <a:ext uri="{0D108BD9-81ED-4DB2-BD59-A6C34878D82A}">
-                    <a16:rowId xmlns:a16="http://schemas.microsoft.com/office/drawing/2014/main" xmlns="" val="10031"/>
+                    <a16:rowId xmlns="" xmlns:a16="http://schemas.microsoft.com/office/drawing/2014/main" val="10031"/>
                   </a:ext>
                 </a:extLst>
               </a:tr>
@@ -34312,7 +34299,7 @@
                 </a:tc>
                 <a:extLst>
                   <a:ext uri="{0D108BD9-81ED-4DB2-BD59-A6C34878D82A}">
-                    <a16:rowId xmlns:a16="http://schemas.microsoft.com/office/drawing/2014/main" xmlns="" val="10032"/>
+                    <a16:rowId xmlns="" xmlns:a16="http://schemas.microsoft.com/office/drawing/2014/main" val="10032"/>
                   </a:ext>
                 </a:extLst>
               </a:tr>
@@ -34589,7 +34576,7 @@
                 </a:tc>
                 <a:extLst>
                   <a:ext uri="{0D108BD9-81ED-4DB2-BD59-A6C34878D82A}">
-                    <a16:rowId xmlns:a16="http://schemas.microsoft.com/office/drawing/2014/main" xmlns="" val="10033"/>
+                    <a16:rowId xmlns="" xmlns:a16="http://schemas.microsoft.com/office/drawing/2014/main" val="10033"/>
                   </a:ext>
                 </a:extLst>
               </a:tr>
@@ -34902,7 +34889,7 @@
                 </a:tc>
                 <a:extLst>
                   <a:ext uri="{0D108BD9-81ED-4DB2-BD59-A6C34878D82A}">
-                    <a16:rowId xmlns:a16="http://schemas.microsoft.com/office/drawing/2014/main" xmlns="" val="10034"/>
+                    <a16:rowId xmlns="" xmlns:a16="http://schemas.microsoft.com/office/drawing/2014/main" val="10034"/>
                   </a:ext>
                 </a:extLst>
               </a:tr>
@@ -34920,11 +34907,11 @@
   <p:clrMapOvr>
     <a:masterClrMapping/>
   </p:clrMapOvr>
-  <mc:AlternateContent xmlns:mc="http://schemas.openxmlformats.org/markup-compatibility/2006">
-    <mc:Choice xmlns:p14="http://schemas.microsoft.com/office/powerpoint/2010/main" Requires="p14">
+  <mc:AlternateContent xmlns:mc="http://schemas.openxmlformats.org/markup-compatibility/2006" xmlns:p14="http://schemas.microsoft.com/office/powerpoint/2010/main">
+    <mc:Choice Requires="p14">
       <p:transition spd="slow" p14:dur="2000"/>
     </mc:Choice>
-    <mc:Fallback>
+    <mc:Fallback xmlns="">
       <p:transition spd="slow"/>
     </mc:Fallback>
   </mc:AlternateContent>
@@ -34992,7 +34979,7 @@
           <p:cNvPr id="3" name="テキスト ボックス 2">
             <a:extLst>
               <a:ext uri="{FF2B5EF4-FFF2-40B4-BE49-F238E27FC236}">
-                <a16:creationId xmlns:a16="http://schemas.microsoft.com/office/drawing/2014/main" xmlns="" id="{B9825B4F-7D94-42B8-9919-1A57658ED503}"/>
+                <a16:creationId xmlns="" xmlns:a16="http://schemas.microsoft.com/office/drawing/2014/main" id="{B9825B4F-7D94-42B8-9919-1A57658ED503}"/>
               </a:ext>
             </a:extLst>
           </p:cNvPr>
@@ -39670,6 +39657,100 @@
 </p:sld>
 </file>
 
+<file path=ppt/slides/slide24.xml><?xml version="1.0" encoding="utf-8"?>
+<p:sld xmlns:a="http://schemas.openxmlformats.org/drawingml/2006/main" xmlns:r="http://schemas.openxmlformats.org/officeDocument/2006/relationships" xmlns:p="http://schemas.openxmlformats.org/presentationml/2006/main">
+  <p:cSld>
+    <p:spTree>
+      <p:nvGrpSpPr>
+        <p:cNvPr id="1" name=""/>
+        <p:cNvGrpSpPr/>
+        <p:nvPr/>
+      </p:nvGrpSpPr>
+      <p:grpSpPr>
+        <a:xfrm>
+          <a:off x="0" y="0"/>
+          <a:ext cx="0" cy="0"/>
+          <a:chOff x="0" y="0"/>
+          <a:chExt cx="0" cy="0"/>
+        </a:xfrm>
+      </p:grpSpPr>
+      <p:sp>
+        <p:nvSpPr>
+          <p:cNvPr id="2" name="タイトル 1"/>
+          <p:cNvSpPr>
+            <a:spLocks noGrp="1"/>
+          </p:cNvSpPr>
+          <p:nvPr>
+            <p:ph type="title"/>
+          </p:nvPr>
+        </p:nvSpPr>
+        <p:spPr>
+          <a:xfrm>
+            <a:off x="838200" y="0"/>
+            <a:ext cx="10515600" cy="663575"/>
+          </a:xfrm>
+          <a:solidFill>
+            <a:schemeClr val="bg1">
+              <a:lumMod val="95000"/>
+            </a:schemeClr>
+          </a:solidFill>
+        </p:spPr>
+        <p:txBody>
+          <a:bodyPr>
+            <a:normAutofit fontScale="90000"/>
+          </a:bodyPr>
+          <a:lstStyle/>
+          <a:p>
+            <a:pPr algn="ctr"/>
+            <a:r>
+              <a:rPr lang="ja-JP" altLang="en-US" dirty="0"/>
+              <a:t>信号</a:t>
+            </a:r>
+            <a:r>
+              <a:rPr lang="ja-JP" altLang="en-US" dirty="0" smtClean="0"/>
+              <a:t>強度の生データ</a:t>
+            </a:r>
+            <a:endParaRPr kumimoji="1" lang="ja-JP" altLang="en-US" dirty="0"/>
+          </a:p>
+        </p:txBody>
+      </p:sp>
+      <p:pic>
+        <p:nvPicPr>
+          <p:cNvPr id="4" name="図 3"/>
+          <p:cNvPicPr>
+            <a:picLocks noChangeAspect="1"/>
+          </p:cNvPicPr>
+          <p:nvPr/>
+        </p:nvPicPr>
+        <p:blipFill>
+          <a:blip r:embed="rId2"/>
+          <a:stretch>
+            <a:fillRect/>
+          </a:stretch>
+        </p:blipFill>
+        <p:spPr>
+          <a:xfrm>
+            <a:off x="838200" y="663575"/>
+            <a:ext cx="10530350" cy="5737225"/>
+          </a:xfrm>
+          <a:prstGeom prst="rect">
+            <a:avLst/>
+          </a:prstGeom>
+        </p:spPr>
+      </p:pic>
+    </p:spTree>
+    <p:extLst>
+      <p:ext uri="{BB962C8B-B14F-4D97-AF65-F5344CB8AC3E}">
+        <p14:creationId xmlns:p14="http://schemas.microsoft.com/office/powerpoint/2010/main" val="4105588074"/>
+      </p:ext>
+    </p:extLst>
+  </p:cSld>
+  <p:clrMapOvr>
+    <a:masterClrMapping/>
+  </p:clrMapOvr>
+</p:sld>
+</file>
+
 <file path=ppt/slides/slide3.xml><?xml version="1.0" encoding="utf-8"?>
 <p:sld xmlns:a="http://schemas.openxmlformats.org/drawingml/2006/main" xmlns:r="http://schemas.openxmlformats.org/officeDocument/2006/relationships" xmlns:p="http://schemas.openxmlformats.org/presentationml/2006/main">
   <p:cSld>
@@ -40460,7 +40541,7 @@
           <p:cNvPr id="14" name="直線コネクタ 13">
             <a:extLst>
               <a:ext uri="{FF2B5EF4-FFF2-40B4-BE49-F238E27FC236}">
-                <a16:creationId xmlns:a16="http://schemas.microsoft.com/office/drawing/2014/main" xmlns="" id="{734A23B4-8881-43EE-BB12-8D86B3AA68C6}"/>
+                <a16:creationId xmlns="" xmlns:a16="http://schemas.microsoft.com/office/drawing/2014/main" id="{734A23B4-8881-43EE-BB12-8D86B3AA68C6}"/>
               </a:ext>
             </a:extLst>
           </p:cNvPr>
@@ -40498,7 +40579,7 @@
           <p:cNvPr id="26" name="テキスト ボックス 25">
             <a:extLst>
               <a:ext uri="{FF2B5EF4-FFF2-40B4-BE49-F238E27FC236}">
-                <a16:creationId xmlns:a16="http://schemas.microsoft.com/office/drawing/2014/main" xmlns="" id="{900D94F6-F80C-4486-A86F-D22E3AC70017}"/>
+                <a16:creationId xmlns="" xmlns:a16="http://schemas.microsoft.com/office/drawing/2014/main" id="{900D94F6-F80C-4486-A86F-D22E3AC70017}"/>
               </a:ext>
             </a:extLst>
           </p:cNvPr>
@@ -40592,8 +40673,8 @@
           </a:p>
         </p:txBody>
       </p:sp>
-      <mc:AlternateContent xmlns:mc="http://schemas.openxmlformats.org/markup-compatibility/2006">
-        <mc:Choice xmlns:a14="http://schemas.microsoft.com/office/drawing/2010/main" Requires="a14">
+      <mc:AlternateContent xmlns:mc="http://schemas.openxmlformats.org/markup-compatibility/2006" xmlns:a14="http://schemas.microsoft.com/office/drawing/2010/main">
+        <mc:Choice Requires="a14">
           <p:sp>
             <p:nvSpPr>
               <p:cNvPr id="17" name="テキスト ボックス 16"/>
@@ -40656,7 +40737,7 @@
             </p:txBody>
           </p:sp>
         </mc:Choice>
-        <mc:Fallback>
+        <mc:Fallback xmlns="">
           <p:sp>
             <p:nvSpPr>
               <p:cNvPr id="17" name="テキスト ボックス 16"/>
@@ -43616,8 +43697,8 @@
           </a:prstGeom>
         </p:spPr>
       </p:pic>
-      <mc:AlternateContent xmlns:mc="http://schemas.openxmlformats.org/markup-compatibility/2006">
-        <mc:Choice xmlns:a14="http://schemas.microsoft.com/office/drawing/2010/main" Requires="a14">
+      <mc:AlternateContent xmlns:mc="http://schemas.openxmlformats.org/markup-compatibility/2006" xmlns:a14="http://schemas.microsoft.com/office/drawing/2010/main">
+        <mc:Choice Requires="a14">
           <p:sp>
             <p:nvSpPr>
               <p:cNvPr id="62" name="テキスト ボックス 61"/>
@@ -43761,7 +43842,7 @@
             </p:txBody>
           </p:sp>
         </mc:Choice>
-        <mc:Fallback>
+        <mc:Fallback xmlns="">
           <p:sp>
             <p:nvSpPr>
               <p:cNvPr id="62" name="テキスト ボックス 61"/>
@@ -43800,8 +43881,8 @@
           </p:sp>
         </mc:Fallback>
       </mc:AlternateContent>
-      <mc:AlternateContent xmlns:mc="http://schemas.openxmlformats.org/markup-compatibility/2006">
-        <mc:Choice xmlns:a14="http://schemas.microsoft.com/office/drawing/2010/main" Requires="a14">
+      <mc:AlternateContent xmlns:mc="http://schemas.openxmlformats.org/markup-compatibility/2006" xmlns:a14="http://schemas.microsoft.com/office/drawing/2010/main">
+        <mc:Choice Requires="a14">
           <p:sp>
             <p:nvSpPr>
               <p:cNvPr id="64" name="テキスト ボックス 63"/>
@@ -43951,7 +44032,7 @@
             </p:txBody>
           </p:sp>
         </mc:Choice>
-        <mc:Fallback>
+        <mc:Fallback xmlns="">
           <p:sp>
             <p:nvSpPr>
               <p:cNvPr id="64" name="テキスト ボックス 63"/>
@@ -44172,11 +44253,7 @@
             </a:r>
             <a:r>
               <a:rPr lang="en-US" altLang="ja-JP" dirty="0" smtClean="0"/>
-              <a:t>fs</a:t>
-            </a:r>
-            <a:r>
-              <a:rPr lang="en-US" altLang="ja-JP" dirty="0" smtClean="0"/>
-              <a:t>]</a:t>
+              <a:t>fs]</a:t>
             </a:r>
             <a:endParaRPr kumimoji="1" lang="ja-JP" altLang="en-US" dirty="0"/>
           </a:p>
@@ -44369,15 +44446,7 @@
             </a:r>
             <a:r>
               <a:rPr kumimoji="1" lang="ja-JP" altLang="en-US" dirty="0" smtClean="0"/>
-              <a:t>座標ごとの信号強度の関係」から</a:t>
-            </a:r>
-            <a:r>
-              <a:rPr kumimoji="1" lang="ja-JP" altLang="en-US" dirty="0" smtClean="0"/>
-              <a:t>「高次高調波と赤外光との時間差と</a:t>
-            </a:r>
-            <a:r>
-              <a:rPr kumimoji="1" lang="ja-JP" altLang="en-US" dirty="0" smtClean="0"/>
-              <a:t>各次数に対応</a:t>
+              <a:t>座標ごとの信号強度の関係」から「高次高調波と赤外光との時間差と各次数に対応</a:t>
             </a:r>
             <a:r>
               <a:rPr kumimoji="1" lang="ja-JP" altLang="en-US" dirty="0" err="1" smtClean="0"/>
@@ -44509,15 +44578,7 @@
             </a:r>
             <a:r>
               <a:rPr lang="en-US" altLang="ja-JP" dirty="0" smtClean="0"/>
-              <a:t>[</a:t>
-            </a:r>
-            <a:r>
-              <a:rPr lang="en-US" altLang="ja-JP" dirty="0" smtClean="0"/>
-              <a:t>fs</a:t>
-            </a:r>
-            <a:r>
-              <a:rPr lang="en-US" altLang="ja-JP" dirty="0" smtClean="0"/>
-              <a:t>]</a:t>
+              <a:t>[fs]</a:t>
             </a:r>
             <a:endParaRPr kumimoji="1" lang="ja-JP" altLang="en-US" dirty="0"/>
           </a:p>
@@ -45247,7 +45308,7 @@
           <p:cNvPr id="3" name="テキスト ボックス 2">
             <a:extLst>
               <a:ext uri="{FF2B5EF4-FFF2-40B4-BE49-F238E27FC236}">
-                <a16:creationId xmlns:a16="http://schemas.microsoft.com/office/drawing/2014/main" xmlns="" id="{D0FC2CED-4F02-43D7-94A5-2ABE4AB80F7F}"/>
+                <a16:creationId xmlns="" xmlns:a16="http://schemas.microsoft.com/office/drawing/2014/main" id="{D0FC2CED-4F02-43D7-94A5-2ABE4AB80F7F}"/>
               </a:ext>
             </a:extLst>
           </p:cNvPr>
@@ -45497,7 +45558,7 @@
           <p:cNvPr id="3" name="テキスト ボックス 2">
             <a:extLst>
               <a:ext uri="{FF2B5EF4-FFF2-40B4-BE49-F238E27FC236}">
-                <a16:creationId xmlns:a16="http://schemas.microsoft.com/office/drawing/2014/main" xmlns="" id="{BBB08FC6-DAB0-45DA-A44D-BCB432180227}"/>
+                <a16:creationId xmlns="" xmlns:a16="http://schemas.microsoft.com/office/drawing/2014/main" id="{BBB08FC6-DAB0-45DA-A44D-BCB432180227}"/>
               </a:ext>
             </a:extLst>
           </p:cNvPr>
@@ -45705,8 +45766,8 @@
           </a:p>
         </p:txBody>
       </p:sp>
-      <mc:AlternateContent xmlns:mc="http://schemas.openxmlformats.org/markup-compatibility/2006">
-        <mc:Choice xmlns:a14="http://schemas.microsoft.com/office/drawing/2010/main" Requires="a14">
+      <mc:AlternateContent xmlns:mc="http://schemas.openxmlformats.org/markup-compatibility/2006" xmlns:a14="http://schemas.microsoft.com/office/drawing/2010/main">
+        <mc:Choice Requires="a14">
           <p:sp>
             <p:nvSpPr>
               <p:cNvPr id="3" name="コンテンツ プレースホルダー 2"/>
@@ -45955,15 +46016,7 @@
                 </a:r>
                 <a:r>
                   <a:rPr lang="ja-JP" altLang="en-US" dirty="0" smtClean="0"/>
-                  <a:t>信号</a:t>
-                </a:r>
-                <a:r>
-                  <a:rPr lang="ja-JP" altLang="en-US" dirty="0" smtClean="0"/>
-                  <a:t>強度の</a:t>
-                </a:r>
-                <a:r>
-                  <a:rPr lang="ja-JP" altLang="en-US" dirty="0" smtClean="0"/>
-                  <a:t>位相に差が発生し，位相差は</a:t>
+                  <a:t>信号強度の位相に差が発生し，位相差は</a:t>
                 </a:r>
                 <a:r>
                   <a:rPr lang="ja-JP" altLang="en-US" dirty="0" smtClean="0">
@@ -45971,15 +46024,7 @@
                       <a:srgbClr val="FF0000"/>
                     </a:solidFill>
                   </a:rPr>
-                  <a:t>各次数</a:t>
-                </a:r>
-                <a:r>
-                  <a:rPr lang="ja-JP" altLang="en-US" dirty="0" smtClean="0">
-                    <a:solidFill>
-                      <a:srgbClr val="FF0000"/>
-                    </a:solidFill>
-                  </a:rPr>
-                  <a:t>の間で異なっている</a:t>
+                  <a:t>各次数の間で異なっている</a:t>
                 </a:r>
                 <a:r>
                   <a:rPr lang="ja-JP" altLang="en-US" dirty="0" smtClean="0"/>
@@ -46009,11 +46054,7 @@
                 </a:r>
                 <a:r>
                   <a:rPr lang="ja-JP" altLang="en-US" dirty="0" smtClean="0"/>
-                  <a:t>また</a:t>
-                </a:r>
-                <a:r>
-                  <a:rPr lang="ja-JP" altLang="en-US" dirty="0" smtClean="0"/>
-                  <a:t>，時間差が</a:t>
+                  <a:t>また，時間差が</a:t>
                 </a:r>
                 <a:r>
                   <a:rPr lang="en-US" altLang="ja-JP" dirty="0" smtClean="0"/>
@@ -46068,7 +46109,7 @@
             </p:txBody>
           </p:sp>
         </mc:Choice>
-        <mc:Fallback>
+        <mc:Fallback xmlns="">
           <p:sp>
             <p:nvSpPr>
               <p:cNvPr id="3" name="コンテンツ プレースホルダー 2"/>
@@ -46316,11 +46357,11 @@
   <p:clrMapOvr>
     <a:masterClrMapping/>
   </p:clrMapOvr>
-  <mc:AlternateContent xmlns:mc="http://schemas.openxmlformats.org/markup-compatibility/2006">
-    <mc:Choice xmlns:p14="http://schemas.microsoft.com/office/powerpoint/2010/main" Requires="p14">
+  <mc:AlternateContent xmlns:mc="http://schemas.openxmlformats.org/markup-compatibility/2006" xmlns:p14="http://schemas.microsoft.com/office/powerpoint/2010/main">
+    <mc:Choice Requires="p14">
       <p:transition spd="slow" p14:dur="2000"/>
     </mc:Choice>
-    <mc:Fallback>
+    <mc:Fallback xmlns="">
       <p:transition spd="slow"/>
     </mc:Fallback>
   </mc:AlternateContent>
